--- a/15_AnalysisOfContemporaryHumanLifespan_Part6.pptx
+++ b/15_AnalysisOfContemporaryHumanLifespan_Part6.pptx
@@ -18381,7 +18381,7 @@
             <a:tbl>
               <a:tblPr>
                 <a:noFill/>
-                <a:tableStyleId>{79030F36-1BEE-4EB2-BD2E-168901208901}</a:tableStyleId>
+                <a:tableStyleId>{87BD213F-6560-4DCB-A160-028C1D53AD65}</a:tableStyleId>
               </a:tblPr>
               <a:tblGrid>
                 <a:gridCol w="2901200"/>
